--- a/Soft Skill/Module - 1.pptx
+++ b/Soft Skill/Module - 1.pptx
@@ -300,7 +300,7 @@
           <a:p>
             <a:fld id="{0E541CB0-9A62-45F1-90A6-B3CCC2AA3262}" type="datetimeFigureOut">
               <a:rPr lang="en-IN" smtClean="0"/>
-              <a:t>22-05-2024</a:t>
+              <a:t>23-05-2024</a:t>
             </a:fld>
             <a:endParaRPr lang="en-IN"/>
           </a:p>
@@ -598,7 +598,7 @@
           <a:p>
             <a:fld id="{0E541CB0-9A62-45F1-90A6-B3CCC2AA3262}" type="datetimeFigureOut">
               <a:rPr lang="en-IN" smtClean="0"/>
-              <a:t>22-05-2024</a:t>
+              <a:t>23-05-2024</a:t>
             </a:fld>
             <a:endParaRPr lang="en-IN"/>
           </a:p>
@@ -790,7 +790,7 @@
           <a:p>
             <a:fld id="{0E541CB0-9A62-45F1-90A6-B3CCC2AA3262}" type="datetimeFigureOut">
               <a:rPr lang="en-IN" smtClean="0"/>
-              <a:t>22-05-2024</a:t>
+              <a:t>23-05-2024</a:t>
             </a:fld>
             <a:endParaRPr lang="en-IN"/>
           </a:p>
@@ -1051,7 +1051,7 @@
           <a:p>
             <a:fld id="{0E541CB0-9A62-45F1-90A6-B3CCC2AA3262}" type="datetimeFigureOut">
               <a:rPr lang="en-IN" smtClean="0"/>
-              <a:t>22-05-2024</a:t>
+              <a:t>23-05-2024</a:t>
             </a:fld>
             <a:endParaRPr lang="en-IN"/>
           </a:p>
@@ -1475,7 +1475,7 @@
           <a:p>
             <a:fld id="{0E541CB0-9A62-45F1-90A6-B3CCC2AA3262}" type="datetimeFigureOut">
               <a:rPr lang="en-IN" smtClean="0"/>
-              <a:t>22-05-2024</a:t>
+              <a:t>23-05-2024</a:t>
             </a:fld>
             <a:endParaRPr lang="en-IN"/>
           </a:p>
@@ -2012,7 +2012,7 @@
           <a:p>
             <a:fld id="{0E541CB0-9A62-45F1-90A6-B3CCC2AA3262}" type="datetimeFigureOut">
               <a:rPr lang="en-IN" smtClean="0"/>
-              <a:t>22-05-2024</a:t>
+              <a:t>23-05-2024</a:t>
             </a:fld>
             <a:endParaRPr lang="en-IN"/>
           </a:p>
@@ -2876,7 +2876,7 @@
           <a:p>
             <a:fld id="{0E541CB0-9A62-45F1-90A6-B3CCC2AA3262}" type="datetimeFigureOut">
               <a:rPr lang="en-IN" smtClean="0"/>
-              <a:t>22-05-2024</a:t>
+              <a:t>23-05-2024</a:t>
             </a:fld>
             <a:endParaRPr lang="en-IN"/>
           </a:p>
@@ -3046,7 +3046,7 @@
           <a:p>
             <a:fld id="{0E541CB0-9A62-45F1-90A6-B3CCC2AA3262}" type="datetimeFigureOut">
               <a:rPr lang="en-IN" smtClean="0"/>
-              <a:t>22-05-2024</a:t>
+              <a:t>23-05-2024</a:t>
             </a:fld>
             <a:endParaRPr lang="en-IN"/>
           </a:p>
@@ -3230,7 +3230,7 @@
           <a:p>
             <a:fld id="{0E541CB0-9A62-45F1-90A6-B3CCC2AA3262}" type="datetimeFigureOut">
               <a:rPr lang="en-IN" smtClean="0"/>
-              <a:t>22-05-2024</a:t>
+              <a:t>23-05-2024</a:t>
             </a:fld>
             <a:endParaRPr lang="en-IN"/>
           </a:p>
@@ -3400,7 +3400,7 @@
           <a:p>
             <a:fld id="{0E541CB0-9A62-45F1-90A6-B3CCC2AA3262}" type="datetimeFigureOut">
               <a:rPr lang="en-IN" smtClean="0"/>
-              <a:t>22-05-2024</a:t>
+              <a:t>23-05-2024</a:t>
             </a:fld>
             <a:endParaRPr lang="en-IN"/>
           </a:p>
@@ -3644,7 +3644,7 @@
           <a:p>
             <a:fld id="{0E541CB0-9A62-45F1-90A6-B3CCC2AA3262}" type="datetimeFigureOut">
               <a:rPr lang="en-IN" smtClean="0"/>
-              <a:t>22-05-2024</a:t>
+              <a:t>23-05-2024</a:t>
             </a:fld>
             <a:endParaRPr lang="en-IN"/>
           </a:p>
@@ -3880,7 +3880,7 @@
           <a:p>
             <a:fld id="{0E541CB0-9A62-45F1-90A6-B3CCC2AA3262}" type="datetimeFigureOut">
               <a:rPr lang="en-IN" smtClean="0"/>
-              <a:t>22-05-2024</a:t>
+              <a:t>23-05-2024</a:t>
             </a:fld>
             <a:endParaRPr lang="en-IN"/>
           </a:p>
@@ -4346,7 +4346,7 @@
           <a:p>
             <a:fld id="{0E541CB0-9A62-45F1-90A6-B3CCC2AA3262}" type="datetimeFigureOut">
               <a:rPr lang="en-IN" smtClean="0"/>
-              <a:t>22-05-2024</a:t>
+              <a:t>23-05-2024</a:t>
             </a:fld>
             <a:endParaRPr lang="en-IN"/>
           </a:p>
@@ -4464,7 +4464,7 @@
           <a:p>
             <a:fld id="{0E541CB0-9A62-45F1-90A6-B3CCC2AA3262}" type="datetimeFigureOut">
               <a:rPr lang="en-IN" smtClean="0"/>
-              <a:t>22-05-2024</a:t>
+              <a:t>23-05-2024</a:t>
             </a:fld>
             <a:endParaRPr lang="en-IN"/>
           </a:p>
@@ -4559,7 +4559,7 @@
           <a:p>
             <a:fld id="{0E541CB0-9A62-45F1-90A6-B3CCC2AA3262}" type="datetimeFigureOut">
               <a:rPr lang="en-IN" smtClean="0"/>
-              <a:t>22-05-2024</a:t>
+              <a:t>23-05-2024</a:t>
             </a:fld>
             <a:endParaRPr lang="en-IN"/>
           </a:p>
@@ -4814,7 +4814,7 @@
           <a:p>
             <a:fld id="{0E541CB0-9A62-45F1-90A6-B3CCC2AA3262}" type="datetimeFigureOut">
               <a:rPr lang="en-IN" smtClean="0"/>
-              <a:t>22-05-2024</a:t>
+              <a:t>23-05-2024</a:t>
             </a:fld>
             <a:endParaRPr lang="en-IN"/>
           </a:p>
@@ -5114,7 +5114,7 @@
           <a:p>
             <a:fld id="{0E541CB0-9A62-45F1-90A6-B3CCC2AA3262}" type="datetimeFigureOut">
               <a:rPr lang="en-IN" smtClean="0"/>
-              <a:t>22-05-2024</a:t>
+              <a:t>23-05-2024</a:t>
             </a:fld>
             <a:endParaRPr lang="en-IN"/>
           </a:p>
@@ -5348,7 +5348,7 @@
           <a:p>
             <a:fld id="{0E541CB0-9A62-45F1-90A6-B3CCC2AA3262}" type="datetimeFigureOut">
               <a:rPr lang="en-IN" smtClean="0"/>
-              <a:t>22-05-2024</a:t>
+              <a:t>23-05-2024</a:t>
             </a:fld>
             <a:endParaRPr lang="en-IN"/>
           </a:p>
@@ -6322,13 +6322,13 @@
               <a:rPr lang="en-IN" dirty="0" smtClean="0">
                 <a:effectLst/>
               </a:rPr>
-              <a:t>College, Rajkot and </a:t>
-            </a:r>
-            <a:r>
-              <a:rPr lang="en-IN" dirty="0">
+              <a:t>College, </a:t>
+            </a:r>
+            <a:r>
+              <a:rPr lang="en-IN" dirty="0" smtClean="0">
                 <a:effectLst/>
               </a:rPr>
-              <a:t>for now I’m student of MERN Stack Development course at Tops Technologies Rajkot.</a:t>
+              <a:t>Rajkot.</a:t>
             </a:r>
           </a:p>
           <a:p>
@@ -6341,13 +6341,25 @@
               <a:rPr lang="en-IN" dirty="0" smtClean="0">
                 <a:effectLst/>
               </a:rPr>
-              <a:t>Currently</a:t>
+              <a:t>Currently, I’m student of </a:t>
             </a:r>
             <a:r>
               <a:rPr lang="en-IN" dirty="0">
                 <a:effectLst/>
               </a:rPr>
-              <a:t>, I’m fresher. I’m looking for an opportunity to gain skills and improve my knowledge with the real world projects.</a:t>
+              <a:t>MERN Stack Development course at Tops </a:t>
+            </a:r>
+            <a:r>
+              <a:rPr lang="en-IN" dirty="0" smtClean="0">
+                <a:effectLst/>
+              </a:rPr>
+              <a:t>Technologies, </a:t>
+            </a:r>
+            <a:r>
+              <a:rPr lang="en-IN" dirty="0">
+                <a:effectLst/>
+              </a:rPr>
+              <a:t>Rajkot.</a:t>
             </a:r>
           </a:p>
           <a:p>
@@ -6463,7 +6475,7 @@
         </p:spPr>
         <p:txBody>
           <a:bodyPr>
-            <a:normAutofit fontScale="85000" lnSpcReduction="20000"/>
+            <a:normAutofit fontScale="92500" lnSpcReduction="10000"/>
           </a:bodyPr>
           <a:lstStyle/>
           <a:p>
@@ -6508,32 +6520,7 @@
               </a:lnSpc>
             </a:pPr>
             <a:r>
-              <a:rPr lang="en-IN" sz="2400" dirty="0" smtClean="0">
-                <a:effectLst/>
-              </a:rPr>
-              <a:t>I </a:t>
-            </a:r>
-            <a:r>
-              <a:rPr lang="en-IN" sz="2400" dirty="0">
-                <a:effectLst/>
-              </a:rPr>
-              <a:t>can do great research on any kind of topics</a:t>
-            </a:r>
-            <a:r>
-              <a:rPr lang="en-IN" sz="2400" dirty="0" smtClean="0">
-                <a:effectLst/>
-              </a:rPr>
-              <a:t>.</a:t>
-            </a:r>
-          </a:p>
-          <a:p>
-            <a:pPr>
-              <a:lnSpc>
-                <a:spcPct val="150000"/>
-              </a:lnSpc>
-            </a:pPr>
-            <a:r>
-              <a:rPr lang="en-IN" sz="2400" dirty="0" smtClean="0">
+              <a:rPr lang="en-IN" sz="2400" smtClean="0">
                 <a:effectLst/>
               </a:rPr>
               <a:t>My </a:t>

--- a/Soft Skill/Module - 1.pptx
+++ b/Soft Skill/Module - 1.pptx
@@ -300,7 +300,7 @@
           <a:p>
             <a:fld id="{0E541CB0-9A62-45F1-90A6-B3CCC2AA3262}" type="datetimeFigureOut">
               <a:rPr lang="en-IN" smtClean="0"/>
-              <a:t>23-05-2024</a:t>
+              <a:t>31-05-2024</a:t>
             </a:fld>
             <a:endParaRPr lang="en-IN"/>
           </a:p>
@@ -598,7 +598,7 @@
           <a:p>
             <a:fld id="{0E541CB0-9A62-45F1-90A6-B3CCC2AA3262}" type="datetimeFigureOut">
               <a:rPr lang="en-IN" smtClean="0"/>
-              <a:t>23-05-2024</a:t>
+              <a:t>31-05-2024</a:t>
             </a:fld>
             <a:endParaRPr lang="en-IN"/>
           </a:p>
@@ -790,7 +790,7 @@
           <a:p>
             <a:fld id="{0E541CB0-9A62-45F1-90A6-B3CCC2AA3262}" type="datetimeFigureOut">
               <a:rPr lang="en-IN" smtClean="0"/>
-              <a:t>23-05-2024</a:t>
+              <a:t>31-05-2024</a:t>
             </a:fld>
             <a:endParaRPr lang="en-IN"/>
           </a:p>
@@ -1051,7 +1051,7 @@
           <a:p>
             <a:fld id="{0E541CB0-9A62-45F1-90A6-B3CCC2AA3262}" type="datetimeFigureOut">
               <a:rPr lang="en-IN" smtClean="0"/>
-              <a:t>23-05-2024</a:t>
+              <a:t>31-05-2024</a:t>
             </a:fld>
             <a:endParaRPr lang="en-IN"/>
           </a:p>
@@ -1475,7 +1475,7 @@
           <a:p>
             <a:fld id="{0E541CB0-9A62-45F1-90A6-B3CCC2AA3262}" type="datetimeFigureOut">
               <a:rPr lang="en-IN" smtClean="0"/>
-              <a:t>23-05-2024</a:t>
+              <a:t>31-05-2024</a:t>
             </a:fld>
             <a:endParaRPr lang="en-IN"/>
           </a:p>
@@ -2012,7 +2012,7 @@
           <a:p>
             <a:fld id="{0E541CB0-9A62-45F1-90A6-B3CCC2AA3262}" type="datetimeFigureOut">
               <a:rPr lang="en-IN" smtClean="0"/>
-              <a:t>23-05-2024</a:t>
+              <a:t>31-05-2024</a:t>
             </a:fld>
             <a:endParaRPr lang="en-IN"/>
           </a:p>
@@ -2876,7 +2876,7 @@
           <a:p>
             <a:fld id="{0E541CB0-9A62-45F1-90A6-B3CCC2AA3262}" type="datetimeFigureOut">
               <a:rPr lang="en-IN" smtClean="0"/>
-              <a:t>23-05-2024</a:t>
+              <a:t>31-05-2024</a:t>
             </a:fld>
             <a:endParaRPr lang="en-IN"/>
           </a:p>
@@ -3046,7 +3046,7 @@
           <a:p>
             <a:fld id="{0E541CB0-9A62-45F1-90A6-B3CCC2AA3262}" type="datetimeFigureOut">
               <a:rPr lang="en-IN" smtClean="0"/>
-              <a:t>23-05-2024</a:t>
+              <a:t>31-05-2024</a:t>
             </a:fld>
             <a:endParaRPr lang="en-IN"/>
           </a:p>
@@ -3230,7 +3230,7 @@
           <a:p>
             <a:fld id="{0E541CB0-9A62-45F1-90A6-B3CCC2AA3262}" type="datetimeFigureOut">
               <a:rPr lang="en-IN" smtClean="0"/>
-              <a:t>23-05-2024</a:t>
+              <a:t>31-05-2024</a:t>
             </a:fld>
             <a:endParaRPr lang="en-IN"/>
           </a:p>
@@ -3400,7 +3400,7 @@
           <a:p>
             <a:fld id="{0E541CB0-9A62-45F1-90A6-B3CCC2AA3262}" type="datetimeFigureOut">
               <a:rPr lang="en-IN" smtClean="0"/>
-              <a:t>23-05-2024</a:t>
+              <a:t>31-05-2024</a:t>
             </a:fld>
             <a:endParaRPr lang="en-IN"/>
           </a:p>
@@ -3644,7 +3644,7 @@
           <a:p>
             <a:fld id="{0E541CB0-9A62-45F1-90A6-B3CCC2AA3262}" type="datetimeFigureOut">
               <a:rPr lang="en-IN" smtClean="0"/>
-              <a:t>23-05-2024</a:t>
+              <a:t>31-05-2024</a:t>
             </a:fld>
             <a:endParaRPr lang="en-IN"/>
           </a:p>
@@ -3880,7 +3880,7 @@
           <a:p>
             <a:fld id="{0E541CB0-9A62-45F1-90A6-B3CCC2AA3262}" type="datetimeFigureOut">
               <a:rPr lang="en-IN" smtClean="0"/>
-              <a:t>23-05-2024</a:t>
+              <a:t>31-05-2024</a:t>
             </a:fld>
             <a:endParaRPr lang="en-IN"/>
           </a:p>
@@ -4346,7 +4346,7 @@
           <a:p>
             <a:fld id="{0E541CB0-9A62-45F1-90A6-B3CCC2AA3262}" type="datetimeFigureOut">
               <a:rPr lang="en-IN" smtClean="0"/>
-              <a:t>23-05-2024</a:t>
+              <a:t>31-05-2024</a:t>
             </a:fld>
             <a:endParaRPr lang="en-IN"/>
           </a:p>
@@ -4464,7 +4464,7 @@
           <a:p>
             <a:fld id="{0E541CB0-9A62-45F1-90A6-B3CCC2AA3262}" type="datetimeFigureOut">
               <a:rPr lang="en-IN" smtClean="0"/>
-              <a:t>23-05-2024</a:t>
+              <a:t>31-05-2024</a:t>
             </a:fld>
             <a:endParaRPr lang="en-IN"/>
           </a:p>
@@ -4559,7 +4559,7 @@
           <a:p>
             <a:fld id="{0E541CB0-9A62-45F1-90A6-B3CCC2AA3262}" type="datetimeFigureOut">
               <a:rPr lang="en-IN" smtClean="0"/>
-              <a:t>23-05-2024</a:t>
+              <a:t>31-05-2024</a:t>
             </a:fld>
             <a:endParaRPr lang="en-IN"/>
           </a:p>
@@ -4814,7 +4814,7 @@
           <a:p>
             <a:fld id="{0E541CB0-9A62-45F1-90A6-B3CCC2AA3262}" type="datetimeFigureOut">
               <a:rPr lang="en-IN" smtClean="0"/>
-              <a:t>23-05-2024</a:t>
+              <a:t>31-05-2024</a:t>
             </a:fld>
             <a:endParaRPr lang="en-IN"/>
           </a:p>
@@ -5114,7 +5114,7 @@
           <a:p>
             <a:fld id="{0E541CB0-9A62-45F1-90A6-B3CCC2AA3262}" type="datetimeFigureOut">
               <a:rPr lang="en-IN" smtClean="0"/>
-              <a:t>23-05-2024</a:t>
+              <a:t>31-05-2024</a:t>
             </a:fld>
             <a:endParaRPr lang="en-IN"/>
           </a:p>
@@ -5348,7 +5348,7 @@
           <a:p>
             <a:fld id="{0E541CB0-9A62-45F1-90A6-B3CCC2AA3262}" type="datetimeFigureOut">
               <a:rPr lang="en-IN" smtClean="0"/>
-              <a:t>23-05-2024</a:t>
+              <a:t>31-05-2024</a:t>
             </a:fld>
             <a:endParaRPr lang="en-IN"/>
           </a:p>
@@ -6322,13 +6322,7 @@
               <a:rPr lang="en-IN" dirty="0" smtClean="0">
                 <a:effectLst/>
               </a:rPr>
-              <a:t>College, </a:t>
-            </a:r>
-            <a:r>
-              <a:rPr lang="en-IN" dirty="0" smtClean="0">
-                <a:effectLst/>
-              </a:rPr>
-              <a:t>Rajkot.</a:t>
+              <a:t>College, Rajkot.</a:t>
             </a:r>
           </a:p>
           <a:p>
@@ -6717,7 +6711,9 @@
         </p:nvSpPr>
         <p:spPr/>
         <p:txBody>
-          <a:bodyPr/>
+          <a:bodyPr>
+            <a:normAutofit lnSpcReduction="10000"/>
+          </a:bodyPr>
           <a:lstStyle/>
           <a:p>
             <a:pPr>
@@ -6777,7 +6773,19 @@
               <a:rPr lang="en-IN" dirty="0">
                 <a:effectLst/>
               </a:rPr>
-              <a:t> I’ve interest in web development. After 12</a:t>
+              <a:t> </a:t>
+            </a:r>
+            <a:r>
+              <a:rPr lang="en-IN" dirty="0" smtClean="0">
+                <a:effectLst/>
+              </a:rPr>
+              <a:t>I was interested </a:t>
+            </a:r>
+            <a:r>
+              <a:rPr lang="en-IN" dirty="0">
+                <a:effectLst/>
+              </a:rPr>
+              <a:t>in web development. After 12</a:t>
             </a:r>
             <a:r>
               <a:rPr lang="en-IN" baseline="30000" dirty="0">
@@ -6795,9 +6803,60 @@
               <a:rPr lang="en-IN" dirty="0" smtClean="0">
                 <a:effectLst/>
               </a:rPr>
-              <a:t>Development, that’s why I chose this career.</a:t>
-            </a:r>
-            <a:endParaRPr lang="en-IN" dirty="0"/>
+              <a:t>Development, that’s why I chose this career</a:t>
+            </a:r>
+            <a:r>
+              <a:rPr lang="en-IN" dirty="0" smtClean="0">
+                <a:effectLst/>
+              </a:rPr>
+              <a:t>.</a:t>
+            </a:r>
+            <a:endParaRPr lang="en-IN" dirty="0">
+              <a:effectLst/>
+            </a:endParaRPr>
+          </a:p>
+          <a:p>
+            <a:pPr>
+              <a:lnSpc>
+                <a:spcPct val="150000"/>
+              </a:lnSpc>
+            </a:pPr>
+            <a:endParaRPr lang="en-US" dirty="0" smtClean="0">
+              <a:effectLst/>
+            </a:endParaRPr>
+          </a:p>
+          <a:p>
+            <a:pPr>
+              <a:lnSpc>
+                <a:spcPct val="150000"/>
+              </a:lnSpc>
+            </a:pPr>
+            <a:r>
+              <a:rPr lang="en-US" dirty="0" smtClean="0">
+                <a:effectLst/>
+              </a:rPr>
+              <a:t>Video Link :  </a:t>
+            </a:r>
+            <a:r>
+              <a:rPr lang="en-US" dirty="0" smtClean="0">
+                <a:effectLst/>
+                <a:hlinkClick r:id="rId2"/>
+              </a:rPr>
+              <a:t>https://youtu.be/5W6iprZZlTQ</a:t>
+            </a:r>
+            <a:endParaRPr lang="en-US" dirty="0" smtClean="0">
+              <a:effectLst/>
+            </a:endParaRPr>
+          </a:p>
+          <a:p>
+            <a:pPr>
+              <a:lnSpc>
+                <a:spcPct val="150000"/>
+              </a:lnSpc>
+            </a:pPr>
+            <a:endParaRPr lang="en-US" dirty="0" smtClean="0">
+              <a:effectLst/>
+            </a:endParaRPr>
           </a:p>
         </p:txBody>
       </p:sp>
